--- a/以太坊教程/课件/5_1_solidity简介.pptx
+++ b/以太坊教程/课件/5_1_solidity简介.pptx
@@ -208,7 +208,7 @@
           <a:p>
             <a:fld id="{31A2A103-01E9-406E-AEF1-210DF53BAA37}" type="datetimeFigureOut">
               <a:rPr lang="zh-CN" altLang="en-US" smtClean="0"/>
-              <a:t>2018/10/26</a:t>
+              <a:t>2018/11/28</a:t>
             </a:fld>
             <a:endParaRPr lang="zh-CN" altLang="en-US"/>
           </a:p>
@@ -2186,7 +2186,7 @@
           <a:p>
             <a:fld id="{530820CF-B880-4189-942D-D702A7CBA730}" type="datetimeFigureOut">
               <a:rPr lang="zh-CN" altLang="en-US" smtClean="0"/>
-              <a:t>2018/10/26</a:t>
+              <a:t>2018/11/28</a:t>
             </a:fld>
             <a:endParaRPr lang="zh-CN" altLang="en-US"/>
           </a:p>
@@ -2351,7 +2351,7 @@
           <a:p>
             <a:fld id="{530820CF-B880-4189-942D-D702A7CBA730}" type="datetimeFigureOut">
               <a:rPr lang="zh-CN" altLang="en-US" smtClean="0"/>
-              <a:t>2018/10/26</a:t>
+              <a:t>2018/11/28</a:t>
             </a:fld>
             <a:endParaRPr lang="zh-CN" altLang="en-US"/>
           </a:p>
@@ -2526,7 +2526,7 @@
           <a:p>
             <a:fld id="{530820CF-B880-4189-942D-D702A7CBA730}" type="datetimeFigureOut">
               <a:rPr lang="zh-CN" altLang="en-US" smtClean="0"/>
-              <a:t>2018/10/26</a:t>
+              <a:t>2018/11/28</a:t>
             </a:fld>
             <a:endParaRPr lang="zh-CN" altLang="en-US"/>
           </a:p>
@@ -2691,7 +2691,7 @@
           <a:p>
             <a:fld id="{530820CF-B880-4189-942D-D702A7CBA730}" type="datetimeFigureOut">
               <a:rPr lang="zh-CN" altLang="en-US" smtClean="0"/>
-              <a:t>2018/10/26</a:t>
+              <a:t>2018/11/28</a:t>
             </a:fld>
             <a:endParaRPr lang="zh-CN" altLang="en-US"/>
           </a:p>
@@ -2932,7 +2932,7 @@
           <a:p>
             <a:fld id="{530820CF-B880-4189-942D-D702A7CBA730}" type="datetimeFigureOut">
               <a:rPr lang="zh-CN" altLang="en-US" smtClean="0"/>
-              <a:t>2018/10/26</a:t>
+              <a:t>2018/11/28</a:t>
             </a:fld>
             <a:endParaRPr lang="zh-CN" altLang="en-US"/>
           </a:p>
@@ -3215,7 +3215,7 @@
           <a:p>
             <a:fld id="{530820CF-B880-4189-942D-D702A7CBA730}" type="datetimeFigureOut">
               <a:rPr lang="zh-CN" altLang="en-US" smtClean="0"/>
-              <a:t>2018/10/26</a:t>
+              <a:t>2018/11/28</a:t>
             </a:fld>
             <a:endParaRPr lang="zh-CN" altLang="en-US"/>
           </a:p>
@@ -3632,7 +3632,7 @@
           <a:p>
             <a:fld id="{530820CF-B880-4189-942D-D702A7CBA730}" type="datetimeFigureOut">
               <a:rPr lang="zh-CN" altLang="en-US" smtClean="0"/>
-              <a:t>2018/10/26</a:t>
+              <a:t>2018/11/28</a:t>
             </a:fld>
             <a:endParaRPr lang="zh-CN" altLang="en-US"/>
           </a:p>
@@ -3745,7 +3745,7 @@
           <a:p>
             <a:fld id="{530820CF-B880-4189-942D-D702A7CBA730}" type="datetimeFigureOut">
               <a:rPr lang="zh-CN" altLang="en-US" smtClean="0"/>
-              <a:t>2018/10/26</a:t>
+              <a:t>2018/11/28</a:t>
             </a:fld>
             <a:endParaRPr lang="zh-CN" altLang="en-US"/>
           </a:p>
@@ -3835,7 +3835,7 @@
           <a:p>
             <a:fld id="{530820CF-B880-4189-942D-D702A7CBA730}" type="datetimeFigureOut">
               <a:rPr lang="zh-CN" altLang="en-US" smtClean="0"/>
-              <a:t>2018/10/26</a:t>
+              <a:t>2018/11/28</a:t>
             </a:fld>
             <a:endParaRPr lang="zh-CN" altLang="en-US"/>
           </a:p>
@@ -4107,7 +4107,7 @@
           <a:p>
             <a:fld id="{530820CF-B880-4189-942D-D702A7CBA730}" type="datetimeFigureOut">
               <a:rPr lang="zh-CN" altLang="en-US" smtClean="0"/>
-              <a:t>2018/10/26</a:t>
+              <a:t>2018/11/28</a:t>
             </a:fld>
             <a:endParaRPr lang="zh-CN" altLang="en-US"/>
           </a:p>
@@ -4355,7 +4355,7 @@
           <a:p>
             <a:fld id="{530820CF-B880-4189-942D-D702A7CBA730}" type="datetimeFigureOut">
               <a:rPr lang="zh-CN" altLang="en-US" smtClean="0"/>
-              <a:t>2018/10/26</a:t>
+              <a:t>2018/11/28</a:t>
             </a:fld>
             <a:endParaRPr lang="zh-CN" altLang="en-US"/>
           </a:p>
@@ -4415,9 +4415,18 @@
 <p:sldMaster xmlns:a="http://schemas.openxmlformats.org/drawingml/2006/main" xmlns:r="http://schemas.openxmlformats.org/officeDocument/2006/relationships" xmlns:p="http://schemas.openxmlformats.org/presentationml/2006/main">
   <p:cSld>
     <p:bg>
-      <p:bgRef idx="1001">
-        <a:schemeClr val="bg1"/>
-      </p:bgRef>
+      <p:bgPr>
+        <a:blipFill dpi="0" rotWithShape="1">
+          <a:blip r:embed="rId13">
+            <a:lum/>
+          </a:blip>
+          <a:srcRect/>
+          <a:stretch>
+            <a:fillRect/>
+          </a:stretch>
+        </a:blipFill>
+        <a:effectLst/>
+      </p:bgPr>
     </p:bg>
     <p:spTree>
       <p:nvGrpSpPr>
@@ -4563,7 +4572,7 @@
           <a:p>
             <a:fld id="{530820CF-B880-4189-942D-D702A7CBA730}" type="datetimeFigureOut">
               <a:rPr lang="zh-CN" altLang="en-US" smtClean="0"/>
-              <a:t>2018/10/26</a:t>
+              <a:t>2018/11/28</a:t>
             </a:fld>
             <a:endParaRPr lang="zh-CN" altLang="en-US"/>
           </a:p>
@@ -5048,23 +5057,25 @@
         </p:nvSpPr>
         <p:spPr>
           <a:xfrm>
-            <a:off x="457200" y="130622"/>
+            <a:off x="539552" y="260648"/>
             <a:ext cx="8229600" cy="1143000"/>
           </a:xfrm>
         </p:spPr>
         <p:txBody>
-          <a:bodyPr/>
+          <a:bodyPr>
+            <a:normAutofit/>
+          </a:bodyPr>
           <a:lstStyle/>
           <a:p>
             <a:pPr algn="l"/>
             <a:r>
-              <a:rPr lang="zh-CN" altLang="en-US" dirty="0" smtClean="0">
+              <a:rPr lang="zh-CN" altLang="en-US" sz="3200" dirty="0" smtClean="0">
                 <a:latin typeface="微软雅黑 Light" pitchFamily="34" charset="-122"/>
                 <a:ea typeface="微软雅黑 Light" pitchFamily="34" charset="-122"/>
               </a:rPr>
               <a:t>   智能合约练习</a:t>
             </a:r>
-            <a:endParaRPr lang="zh-CN" altLang="en-US" dirty="0">
+            <a:endParaRPr lang="zh-CN" altLang="en-US" sz="3200" dirty="0">
               <a:latin typeface="微软雅黑 Light" pitchFamily="34" charset="-122"/>
               <a:ea typeface="微软雅黑 Light" pitchFamily="34" charset="-122"/>
             </a:endParaRPr>
@@ -5884,7 +5895,7 @@
         </p:nvSpPr>
         <p:spPr>
           <a:xfrm>
-            <a:off x="457200" y="0"/>
+            <a:off x="539552" y="-72008"/>
             <a:ext cx="8229600" cy="692696"/>
           </a:xfrm>
         </p:spPr>
@@ -5896,27 +5907,27 @@
           <a:p>
             <a:pPr algn="l"/>
             <a:r>
-              <a:rPr lang="zh-CN" altLang="en-US" sz="2800" dirty="0" smtClean="0">
+              <a:rPr lang="zh-CN" altLang="en-US" sz="2400" dirty="0" smtClean="0">
                 <a:latin typeface="微软雅黑 Light" pitchFamily="34" charset="-122"/>
                 <a:ea typeface="微软雅黑 Light" pitchFamily="34" charset="-122"/>
               </a:rPr>
               <a:t>   另一个例子 </a:t>
             </a:r>
             <a:r>
-              <a:rPr lang="en-US" altLang="zh-CN" sz="2800" dirty="0" smtClean="0">
+              <a:rPr lang="en-US" altLang="zh-CN" sz="2400" dirty="0" smtClean="0">
                 <a:latin typeface="微软雅黑 Light" pitchFamily="34" charset="-122"/>
                 <a:ea typeface="微软雅黑 Light" pitchFamily="34" charset="-122"/>
               </a:rPr>
               <a:t>—— </a:t>
             </a:r>
             <a:r>
-              <a:rPr lang="zh-CN" altLang="en-US" sz="2800" dirty="0" smtClean="0">
+              <a:rPr lang="zh-CN" altLang="en-US" sz="2400" dirty="0" smtClean="0">
                 <a:latin typeface="微软雅黑 Light" pitchFamily="34" charset="-122"/>
                 <a:ea typeface="微软雅黑 Light" pitchFamily="34" charset="-122"/>
               </a:rPr>
               <a:t>子货币</a:t>
             </a:r>
-            <a:endParaRPr lang="zh-CN" altLang="en-US" sz="2800" dirty="0">
+            <a:endParaRPr lang="zh-CN" altLang="en-US" sz="2400" dirty="0">
               <a:latin typeface="微软雅黑 Light" pitchFamily="34" charset="-122"/>
               <a:ea typeface="微软雅黑 Light" pitchFamily="34" charset="-122"/>
             </a:endParaRPr>
@@ -6432,20 +6443,27 @@
             <p:ph type="title"/>
           </p:nvPr>
         </p:nvSpPr>
-        <p:spPr/>
-        <p:txBody>
-          <a:bodyPr/>
+        <p:spPr>
+          <a:xfrm>
+            <a:off x="457200" y="485800"/>
+            <a:ext cx="8229600" cy="1143000"/>
+          </a:xfrm>
+        </p:spPr>
+        <p:txBody>
+          <a:bodyPr>
+            <a:normAutofit/>
+          </a:bodyPr>
           <a:lstStyle/>
           <a:p>
             <a:pPr algn="l"/>
             <a:r>
-              <a:rPr lang="zh-CN" altLang="en-US" dirty="0" smtClean="0">
+              <a:rPr lang="zh-CN" altLang="en-US" sz="3600" dirty="0" smtClean="0">
                 <a:latin typeface="微软雅黑 Light" pitchFamily="34" charset="-122"/>
                 <a:ea typeface="微软雅黑 Light" pitchFamily="34" charset="-122"/>
               </a:rPr>
               <a:t>  合约代码解读</a:t>
             </a:r>
-            <a:endParaRPr lang="zh-CN" altLang="en-US" dirty="0">
+            <a:endParaRPr lang="zh-CN" altLang="en-US" sz="3600" dirty="0">
               <a:latin typeface="微软雅黑 Light" pitchFamily="34" charset="-122"/>
               <a:ea typeface="微软雅黑 Light" pitchFamily="34" charset="-122"/>
             </a:endParaRPr>
@@ -6707,20 +6725,27 @@
             <p:ph type="title"/>
           </p:nvPr>
         </p:nvSpPr>
-        <p:spPr/>
-        <p:txBody>
-          <a:bodyPr/>
+        <p:spPr>
+          <a:xfrm>
+            <a:off x="457200" y="485800"/>
+            <a:ext cx="8229600" cy="1143000"/>
+          </a:xfrm>
+        </p:spPr>
+        <p:txBody>
+          <a:bodyPr>
+            <a:normAutofit/>
+          </a:bodyPr>
           <a:lstStyle/>
           <a:p>
             <a:pPr algn="l"/>
             <a:r>
-              <a:rPr lang="zh-CN" altLang="en-US" dirty="0" smtClean="0">
+              <a:rPr lang="zh-CN" altLang="en-US" sz="3600" dirty="0" smtClean="0">
                 <a:latin typeface="微软雅黑 Light" pitchFamily="34" charset="-122"/>
                 <a:ea typeface="微软雅黑 Light" pitchFamily="34" charset="-122"/>
               </a:rPr>
               <a:t>  合约代码解读</a:t>
             </a:r>
-            <a:endParaRPr lang="zh-CN" altLang="en-US" dirty="0">
+            <a:endParaRPr lang="zh-CN" altLang="en-US" sz="3600" dirty="0">
               <a:latin typeface="微软雅黑 Light" pitchFamily="34" charset="-122"/>
               <a:ea typeface="微软雅黑 Light" pitchFamily="34" charset="-122"/>
             </a:endParaRPr>
@@ -7000,20 +7025,27 @@
             <p:ph type="title"/>
           </p:nvPr>
         </p:nvSpPr>
-        <p:spPr/>
-        <p:txBody>
-          <a:bodyPr/>
+        <p:spPr>
+          <a:xfrm>
+            <a:off x="457200" y="413792"/>
+            <a:ext cx="8229600" cy="1143000"/>
+          </a:xfrm>
+        </p:spPr>
+        <p:txBody>
+          <a:bodyPr>
+            <a:normAutofit/>
+          </a:bodyPr>
           <a:lstStyle/>
           <a:p>
             <a:pPr algn="l"/>
             <a:r>
-              <a:rPr lang="zh-CN" altLang="en-US" dirty="0" smtClean="0">
+              <a:rPr lang="zh-CN" altLang="en-US" sz="3600" dirty="0" smtClean="0">
                 <a:latin typeface="微软雅黑 Light" pitchFamily="34" charset="-122"/>
                 <a:ea typeface="微软雅黑 Light" pitchFamily="34" charset="-122"/>
               </a:rPr>
               <a:t>  事件的监听</a:t>
             </a:r>
-            <a:endParaRPr lang="zh-CN" altLang="en-US" dirty="0">
+            <a:endParaRPr lang="zh-CN" altLang="en-US" sz="3600" dirty="0">
               <a:latin typeface="微软雅黑 Light" pitchFamily="34" charset="-122"/>
               <a:ea typeface="微软雅黑 Light" pitchFamily="34" charset="-122"/>
             </a:endParaRPr>
@@ -7329,7 +7361,7 @@
         </p:nvSpPr>
         <p:spPr>
           <a:xfrm>
-            <a:off x="827584" y="260648"/>
+            <a:off x="827584" y="548680"/>
             <a:ext cx="7571184" cy="6237312"/>
           </a:xfrm>
         </p:spPr>
@@ -7824,9 +7856,16 @@
             <p:ph type="title"/>
           </p:nvPr>
         </p:nvSpPr>
-        <p:spPr/>
-        <p:txBody>
-          <a:bodyPr/>
+        <p:spPr>
+          <a:xfrm>
+            <a:off x="457200" y="485800"/>
+            <a:ext cx="8229600" cy="1143000"/>
+          </a:xfrm>
+        </p:spPr>
+        <p:txBody>
+          <a:bodyPr>
+            <a:normAutofit/>
+          </a:bodyPr>
           <a:lstStyle/>
           <a:p>
             <a:pPr marL="0" indent="0" algn="l">
@@ -7835,27 +7874,27 @@
               </a:lnSpc>
             </a:pPr>
             <a:r>
-              <a:rPr lang="en-US" altLang="zh-CN" dirty="0" smtClean="0">
+              <a:rPr lang="en-US" altLang="zh-CN" sz="3600" dirty="0" smtClean="0">
                 <a:latin typeface="微软雅黑 Light" pitchFamily="34" charset="-122"/>
                 <a:ea typeface="微软雅黑 Light" pitchFamily="34" charset="-122"/>
               </a:rPr>
               <a:t>  Ballot </a:t>
             </a:r>
             <a:r>
-              <a:rPr lang="en-US" altLang="zh-CN" dirty="0">
+              <a:rPr lang="en-US" altLang="zh-CN" sz="3600" dirty="0">
                 <a:latin typeface="微软雅黑 Light" pitchFamily="34" charset="-122"/>
                 <a:ea typeface="微软雅黑 Light" pitchFamily="34" charset="-122"/>
               </a:rPr>
               <a:t>-- </a:t>
             </a:r>
             <a:r>
-              <a:rPr lang="zh-CN" altLang="en-US" dirty="0">
+              <a:rPr lang="zh-CN" altLang="en-US" sz="3600" dirty="0">
                 <a:latin typeface="微软雅黑 Light" pitchFamily="34" charset="-122"/>
                 <a:ea typeface="微软雅黑 Light" pitchFamily="34" charset="-122"/>
               </a:rPr>
               <a:t>一个简单的投票合约</a:t>
             </a:r>
-            <a:endParaRPr lang="en-US" altLang="zh-CN" dirty="0">
+            <a:endParaRPr lang="en-US" altLang="zh-CN" sz="3600" dirty="0">
               <a:latin typeface="微软雅黑 Light" pitchFamily="34" charset="-122"/>
               <a:ea typeface="微软雅黑 Light" pitchFamily="34" charset="-122"/>
             </a:endParaRPr>
@@ -8111,27 +8150,34 @@
             <p:ph type="title"/>
           </p:nvPr>
         </p:nvSpPr>
-        <p:spPr/>
-        <p:txBody>
-          <a:bodyPr/>
+        <p:spPr>
+          <a:xfrm>
+            <a:off x="457200" y="413792"/>
+            <a:ext cx="8229600" cy="1143000"/>
+          </a:xfrm>
+        </p:spPr>
+        <p:txBody>
+          <a:bodyPr>
+            <a:normAutofit/>
+          </a:bodyPr>
           <a:lstStyle/>
           <a:p>
             <a:pPr algn="l"/>
             <a:r>
-              <a:rPr lang="en-US" altLang="zh-CN" dirty="0" smtClean="0">
+              <a:rPr lang="en-US" altLang="zh-CN" sz="3600" dirty="0" smtClean="0">
                 <a:latin typeface="微软雅黑 Light" pitchFamily="34" charset="-122"/>
                 <a:ea typeface="微软雅黑 Light" pitchFamily="34" charset="-122"/>
               </a:rPr>
               <a:t>  Solidity</a:t>
             </a:r>
             <a:r>
-              <a:rPr lang="zh-CN" altLang="en-US" dirty="0" smtClean="0">
+              <a:rPr lang="zh-CN" altLang="en-US" sz="3600" dirty="0" smtClean="0">
                 <a:latin typeface="微软雅黑 Light" pitchFamily="34" charset="-122"/>
                 <a:ea typeface="微软雅黑 Light" pitchFamily="34" charset="-122"/>
               </a:rPr>
               <a:t>是什么</a:t>
             </a:r>
-            <a:endParaRPr lang="zh-CN" altLang="en-US" dirty="0">
+            <a:endParaRPr lang="zh-CN" altLang="en-US" sz="3600" dirty="0">
               <a:latin typeface="微软雅黑 Light" pitchFamily="34" charset="-122"/>
               <a:ea typeface="微软雅黑 Light" pitchFamily="34" charset="-122"/>
             </a:endParaRPr>
@@ -8384,27 +8430,34 @@
             <p:ph type="title"/>
           </p:nvPr>
         </p:nvSpPr>
-        <p:spPr/>
-        <p:txBody>
-          <a:bodyPr/>
+        <p:spPr>
+          <a:xfrm>
+            <a:off x="457200" y="485800"/>
+            <a:ext cx="8229600" cy="1143000"/>
+          </a:xfrm>
+        </p:spPr>
+        <p:txBody>
+          <a:bodyPr>
+            <a:normAutofit/>
+          </a:bodyPr>
           <a:lstStyle/>
           <a:p>
             <a:pPr algn="l"/>
             <a:r>
-              <a:rPr lang="en-US" altLang="zh-CN" dirty="0" smtClean="0">
+              <a:rPr lang="en-US" altLang="zh-CN" sz="3600" dirty="0" smtClean="0">
                 <a:latin typeface="微软雅黑 Light" pitchFamily="34" charset="-122"/>
                 <a:ea typeface="微软雅黑 Light" pitchFamily="34" charset="-122"/>
               </a:rPr>
               <a:t>  Solidity</a:t>
             </a:r>
             <a:r>
-              <a:rPr lang="zh-CN" altLang="en-US" dirty="0" smtClean="0">
+              <a:rPr lang="zh-CN" altLang="en-US" sz="3600" dirty="0" smtClean="0">
                 <a:latin typeface="微软雅黑 Light" pitchFamily="34" charset="-122"/>
                 <a:ea typeface="微软雅黑 Light" pitchFamily="34" charset="-122"/>
               </a:rPr>
               <a:t>语言特性</a:t>
             </a:r>
-            <a:endParaRPr lang="zh-CN" altLang="en-US" dirty="0">
+            <a:endParaRPr lang="zh-CN" altLang="en-US" sz="3600" dirty="0">
               <a:latin typeface="微软雅黑 Light" pitchFamily="34" charset="-122"/>
               <a:ea typeface="微软雅黑 Light" pitchFamily="34" charset="-122"/>
             </a:endParaRPr>
@@ -8699,27 +8752,34 @@
             <p:ph type="title"/>
           </p:nvPr>
         </p:nvSpPr>
-        <p:spPr/>
-        <p:txBody>
-          <a:bodyPr/>
+        <p:spPr>
+          <a:xfrm>
+            <a:off x="457200" y="485800"/>
+            <a:ext cx="8229600" cy="1143000"/>
+          </a:xfrm>
+        </p:spPr>
+        <p:txBody>
+          <a:bodyPr>
+            <a:normAutofit/>
+          </a:bodyPr>
           <a:lstStyle/>
           <a:p>
             <a:pPr algn="l"/>
             <a:r>
-              <a:rPr lang="en-US" altLang="zh-CN" dirty="0" smtClean="0">
+              <a:rPr lang="en-US" altLang="zh-CN" sz="3600" dirty="0" smtClean="0">
                 <a:latin typeface="微软雅黑 Light" pitchFamily="34" charset="-122"/>
                 <a:ea typeface="微软雅黑 Light" pitchFamily="34" charset="-122"/>
               </a:rPr>
               <a:t>  Solidity</a:t>
             </a:r>
             <a:r>
-              <a:rPr lang="zh-CN" altLang="en-US" dirty="0" smtClean="0">
+              <a:rPr lang="zh-CN" altLang="en-US" sz="3600" dirty="0" smtClean="0">
                 <a:latin typeface="微软雅黑 Light" pitchFamily="34" charset="-122"/>
                 <a:ea typeface="微软雅黑 Light" pitchFamily="34" charset="-122"/>
               </a:rPr>
               <a:t>源码和智能合约</a:t>
             </a:r>
-            <a:endParaRPr lang="zh-CN" altLang="en-US" dirty="0">
+            <a:endParaRPr lang="zh-CN" altLang="en-US" sz="3600" dirty="0">
               <a:latin typeface="微软雅黑 Light" pitchFamily="34" charset="-122"/>
               <a:ea typeface="微软雅黑 Light" pitchFamily="34" charset="-122"/>
             </a:endParaRPr>
@@ -8922,7 +8982,12 @@
             <p:ph type="title"/>
           </p:nvPr>
         </p:nvSpPr>
-        <p:spPr/>
+        <p:spPr>
+          <a:xfrm>
+            <a:off x="457200" y="485800"/>
+            <a:ext cx="8229600" cy="1143000"/>
+          </a:xfrm>
+        </p:spPr>
         <p:txBody>
           <a:bodyPr>
             <a:normAutofit/>
@@ -8931,20 +8996,20 @@
           <a:p>
             <a:pPr algn="l"/>
             <a:r>
-              <a:rPr lang="en-US" altLang="zh-CN" dirty="0" smtClean="0">
+              <a:rPr lang="en-US" altLang="zh-CN" sz="3600" dirty="0" smtClean="0">
                 <a:latin typeface="微软雅黑 Light" pitchFamily="34" charset="-122"/>
                 <a:ea typeface="微软雅黑 Light" pitchFamily="34" charset="-122"/>
               </a:rPr>
               <a:t>Solidity</a:t>
             </a:r>
             <a:r>
-              <a:rPr lang="zh-CN" altLang="en-US" dirty="0" smtClean="0">
+              <a:rPr lang="zh-CN" altLang="en-US" sz="3600" dirty="0" smtClean="0">
                 <a:latin typeface="微软雅黑 Light" pitchFamily="34" charset="-122"/>
                 <a:ea typeface="微软雅黑 Light" pitchFamily="34" charset="-122"/>
               </a:rPr>
               <a:t>编译器</a:t>
             </a:r>
-            <a:endParaRPr lang="zh-CN" altLang="en-US" dirty="0">
+            <a:endParaRPr lang="zh-CN" altLang="en-US" sz="3600" dirty="0">
               <a:latin typeface="微软雅黑 Light" pitchFamily="34" charset="-122"/>
               <a:ea typeface="微软雅黑 Light" pitchFamily="34" charset="-122"/>
             </a:endParaRPr>
@@ -9192,44 +9257,6 @@
           <a:chExt cx="0" cy="0"/>
         </a:xfrm>
       </p:grpSpPr>
-      <p:sp>
-        <p:nvSpPr>
-          <p:cNvPr id="2" name="标题 1"/>
-          <p:cNvSpPr>
-            <a:spLocks noGrp="1"/>
-          </p:cNvSpPr>
-          <p:nvPr>
-            <p:ph type="title"/>
-          </p:nvPr>
-        </p:nvSpPr>
-        <p:spPr/>
-        <p:txBody>
-          <a:bodyPr/>
-          <a:lstStyle/>
-          <a:p>
-            <a:endParaRPr lang="zh-CN" altLang="en-US"/>
-          </a:p>
-        </p:txBody>
-      </p:sp>
-      <p:sp>
-        <p:nvSpPr>
-          <p:cNvPr id="3" name="内容占位符 2"/>
-          <p:cNvSpPr>
-            <a:spLocks noGrp="1"/>
-          </p:cNvSpPr>
-          <p:nvPr>
-            <p:ph idx="1"/>
-          </p:nvPr>
-        </p:nvSpPr>
-        <p:spPr/>
-        <p:txBody>
-          <a:bodyPr/>
-          <a:lstStyle/>
-          <a:p>
-            <a:endParaRPr lang="zh-CN" altLang="en-US"/>
-          </a:p>
-        </p:txBody>
-      </p:sp>
       <p:pic>
         <p:nvPicPr>
           <p:cNvPr id="1026" name="Picture 2" descr="https://user-gold-cdn.xitu.io/2018/5/7/16337a043f3ccdae?imageslim"/>
@@ -9253,8 +9280,8 @@
         </p:blipFill>
         <p:spPr bwMode="auto">
           <a:xfrm>
-            <a:off x="35496" y="260648"/>
-            <a:ext cx="9037512" cy="6363983"/>
+            <a:off x="683568" y="692696"/>
+            <a:ext cx="8064896" cy="5679092"/>
           </a:xfrm>
           <a:prstGeom prst="rect">
             <a:avLst/>
@@ -9318,20 +9345,27 @@
             <p:ph type="title"/>
           </p:nvPr>
         </p:nvSpPr>
-        <p:spPr/>
-        <p:txBody>
-          <a:bodyPr/>
+        <p:spPr>
+          <a:xfrm>
+            <a:off x="457200" y="485800"/>
+            <a:ext cx="8229600" cy="1143000"/>
+          </a:xfrm>
+        </p:spPr>
+        <p:txBody>
+          <a:bodyPr>
+            <a:normAutofit/>
+          </a:bodyPr>
           <a:lstStyle/>
           <a:p>
             <a:pPr algn="l"/>
             <a:r>
-              <a:rPr lang="zh-CN" altLang="en-US" dirty="0" smtClean="0">
+              <a:rPr lang="zh-CN" altLang="en-US" sz="3600" dirty="0" smtClean="0">
                 <a:latin typeface="微软雅黑 Light" pitchFamily="34" charset="-122"/>
                 <a:ea typeface="微软雅黑 Light" pitchFamily="34" charset="-122"/>
               </a:rPr>
               <a:t>   一个简单的智能合约</a:t>
             </a:r>
-            <a:endParaRPr lang="zh-CN" altLang="en-US" dirty="0">
+            <a:endParaRPr lang="zh-CN" altLang="en-US" sz="3600" dirty="0">
               <a:latin typeface="微软雅黑 Light" pitchFamily="34" charset="-122"/>
               <a:ea typeface="微软雅黑 Light" pitchFamily="34" charset="-122"/>
             </a:endParaRPr>
@@ -9659,20 +9693,27 @@
             <p:ph type="title"/>
           </p:nvPr>
         </p:nvSpPr>
-        <p:spPr/>
-        <p:txBody>
-          <a:bodyPr/>
+        <p:spPr>
+          <a:xfrm>
+            <a:off x="457200" y="485800"/>
+            <a:ext cx="8229600" cy="1143000"/>
+          </a:xfrm>
+        </p:spPr>
+        <p:txBody>
+          <a:bodyPr>
+            <a:normAutofit/>
+          </a:bodyPr>
           <a:lstStyle/>
           <a:p>
             <a:pPr algn="l"/>
             <a:r>
-              <a:rPr lang="zh-CN" altLang="en-US" dirty="0" smtClean="0">
+              <a:rPr lang="zh-CN" altLang="en-US" sz="3600" dirty="0" smtClean="0">
                 <a:latin typeface="微软雅黑 Light" pitchFamily="34" charset="-122"/>
                 <a:ea typeface="微软雅黑 Light" pitchFamily="34" charset="-122"/>
               </a:rPr>
               <a:t>  智能合约概述</a:t>
             </a:r>
-            <a:endParaRPr lang="zh-CN" altLang="en-US" dirty="0">
+            <a:endParaRPr lang="zh-CN" altLang="en-US" sz="3600" dirty="0">
               <a:latin typeface="微软雅黑 Light" pitchFamily="34" charset="-122"/>
               <a:ea typeface="微软雅黑 Light" pitchFamily="34" charset="-122"/>
             </a:endParaRPr>
@@ -9908,30 +9949,32 @@
         </p:nvSpPr>
         <p:spPr>
           <a:xfrm>
-            <a:off x="457200" y="269776"/>
+            <a:off x="457200" y="485800"/>
             <a:ext cx="8229600" cy="1143000"/>
           </a:xfrm>
         </p:spPr>
         <p:txBody>
-          <a:bodyPr/>
+          <a:bodyPr>
+            <a:normAutofit/>
+          </a:bodyPr>
           <a:lstStyle/>
           <a:p>
             <a:pPr algn="l"/>
             <a:r>
-              <a:rPr lang="en-US" altLang="zh-CN" dirty="0" smtClean="0">
+              <a:rPr lang="en-US" altLang="zh-CN" sz="3600" dirty="0" smtClean="0">
                 <a:latin typeface="微软雅黑 Light" pitchFamily="34" charset="-122"/>
                 <a:ea typeface="微软雅黑 Light" pitchFamily="34" charset="-122"/>
               </a:rPr>
               <a:t>  </a:t>
             </a:r>
             <a:r>
-              <a:rPr lang="zh-CN" altLang="en-US" dirty="0" smtClean="0">
+              <a:rPr lang="zh-CN" altLang="en-US" sz="3600" dirty="0" smtClean="0">
                 <a:latin typeface="微软雅黑 Light" pitchFamily="34" charset="-122"/>
                 <a:ea typeface="微软雅黑 Light" pitchFamily="34" charset="-122"/>
               </a:rPr>
               <a:t>合约结构</a:t>
             </a:r>
-            <a:endParaRPr lang="zh-CN" altLang="en-US" dirty="0">
+            <a:endParaRPr lang="zh-CN" altLang="en-US" sz="3600" dirty="0">
               <a:latin typeface="微软雅黑 Light" pitchFamily="34" charset="-122"/>
               <a:ea typeface="微软雅黑 Light" pitchFamily="34" charset="-122"/>
             </a:endParaRPr>
